--- a/Documentation/EPIC RPG M2.pptx
+++ b/Documentation/EPIC RPG M2.pptx
@@ -274,7 +274,7 @@
           <a:p>
             <a:fld id="{7563984E-94E2-4E0F-A5B2-26E66A8769B7}" type="datetimeFigureOut">
               <a:rPr lang="en-IN" smtClean="0"/>
-              <a:t>24-01-2026</a:t>
+              <a:t>07-02-2026</a:t>
             </a:fld>
             <a:endParaRPr lang="en-IN"/>
           </a:p>
@@ -474,7 +474,7 @@
           <a:p>
             <a:fld id="{7563984E-94E2-4E0F-A5B2-26E66A8769B7}" type="datetimeFigureOut">
               <a:rPr lang="en-IN" smtClean="0"/>
-              <a:t>24-01-2026</a:t>
+              <a:t>07-02-2026</a:t>
             </a:fld>
             <a:endParaRPr lang="en-IN"/>
           </a:p>
@@ -684,7 +684,7 @@
           <a:p>
             <a:fld id="{7563984E-94E2-4E0F-A5B2-26E66A8769B7}" type="datetimeFigureOut">
               <a:rPr lang="en-IN" smtClean="0"/>
-              <a:t>24-01-2026</a:t>
+              <a:t>07-02-2026</a:t>
             </a:fld>
             <a:endParaRPr lang="en-IN"/>
           </a:p>
@@ -884,7 +884,7 @@
           <a:p>
             <a:fld id="{7563984E-94E2-4E0F-A5B2-26E66A8769B7}" type="datetimeFigureOut">
               <a:rPr lang="en-IN" smtClean="0"/>
-              <a:t>24-01-2026</a:t>
+              <a:t>07-02-2026</a:t>
             </a:fld>
             <a:endParaRPr lang="en-IN"/>
           </a:p>
@@ -1160,7 +1160,7 @@
           <a:p>
             <a:fld id="{7563984E-94E2-4E0F-A5B2-26E66A8769B7}" type="datetimeFigureOut">
               <a:rPr lang="en-IN" smtClean="0"/>
-              <a:t>24-01-2026</a:t>
+              <a:t>07-02-2026</a:t>
             </a:fld>
             <a:endParaRPr lang="en-IN"/>
           </a:p>
@@ -1428,7 +1428,7 @@
           <a:p>
             <a:fld id="{7563984E-94E2-4E0F-A5B2-26E66A8769B7}" type="datetimeFigureOut">
               <a:rPr lang="en-IN" smtClean="0"/>
-              <a:t>24-01-2026</a:t>
+              <a:t>07-02-2026</a:t>
             </a:fld>
             <a:endParaRPr lang="en-IN"/>
           </a:p>
@@ -1843,7 +1843,7 @@
           <a:p>
             <a:fld id="{7563984E-94E2-4E0F-A5B2-26E66A8769B7}" type="datetimeFigureOut">
               <a:rPr lang="en-IN" smtClean="0"/>
-              <a:t>24-01-2026</a:t>
+              <a:t>07-02-2026</a:t>
             </a:fld>
             <a:endParaRPr lang="en-IN"/>
           </a:p>
@@ -1985,7 +1985,7 @@
           <a:p>
             <a:fld id="{7563984E-94E2-4E0F-A5B2-26E66A8769B7}" type="datetimeFigureOut">
               <a:rPr lang="en-IN" smtClean="0"/>
-              <a:t>24-01-2026</a:t>
+              <a:t>07-02-2026</a:t>
             </a:fld>
             <a:endParaRPr lang="en-IN"/>
           </a:p>
@@ -2098,7 +2098,7 @@
           <a:p>
             <a:fld id="{7563984E-94E2-4E0F-A5B2-26E66A8769B7}" type="datetimeFigureOut">
               <a:rPr lang="en-IN" smtClean="0"/>
-              <a:t>24-01-2026</a:t>
+              <a:t>07-02-2026</a:t>
             </a:fld>
             <a:endParaRPr lang="en-IN"/>
           </a:p>
@@ -2411,7 +2411,7 @@
           <a:p>
             <a:fld id="{7563984E-94E2-4E0F-A5B2-26E66A8769B7}" type="datetimeFigureOut">
               <a:rPr lang="en-IN" smtClean="0"/>
-              <a:t>24-01-2026</a:t>
+              <a:t>07-02-2026</a:t>
             </a:fld>
             <a:endParaRPr lang="en-IN"/>
           </a:p>
@@ -2700,7 +2700,7 @@
           <a:p>
             <a:fld id="{7563984E-94E2-4E0F-A5B2-26E66A8769B7}" type="datetimeFigureOut">
               <a:rPr lang="en-IN" smtClean="0"/>
-              <a:t>24-01-2026</a:t>
+              <a:t>07-02-2026</a:t>
             </a:fld>
             <a:endParaRPr lang="en-IN"/>
           </a:p>
@@ -2943,7 +2943,7 @@
           <a:p>
             <a:fld id="{7563984E-94E2-4E0F-A5B2-26E66A8769B7}" type="datetimeFigureOut">
               <a:rPr lang="en-IN" smtClean="0"/>
-              <a:t>24-01-2026</a:t>
+              <a:t>07-02-2026</a:t>
             </a:fld>
             <a:endParaRPr lang="en-IN"/>
           </a:p>
@@ -3403,7 +3403,7 @@
                 </a:solidFill>
                 <a:latin typeface="Franklin Gothic Medium" panose="020B0603020102020204" pitchFamily="34" charset="0"/>
               </a:rPr>
-              <a:t>EPIC RPG V2</a:t>
+              <a:t>EPIC RPG</a:t>
             </a:r>
             <a:endParaRPr lang="en-IN" b="1" dirty="0">
               <a:solidFill>
@@ -4266,7 +4266,7 @@
                 </a:solidFill>
                 <a:latin typeface="Impact" panose="020B0806030902050204" pitchFamily="34" charset="0"/>
               </a:rPr>
-              <a:t>Level 2 Cleared!</a:t>
+              <a:t>Levels Cleared!</a:t>
             </a:r>
             <a:br>
               <a:rPr lang="en-US" dirty="0">
@@ -4283,7 +4283,7 @@
                 </a:solidFill>
                 <a:latin typeface="Impact" panose="020B0806030902050204" pitchFamily="34" charset="0"/>
               </a:rPr>
-              <a:t> Thank You for Evaluating Our Second Milestone</a:t>
+              <a:t> Thank You</a:t>
             </a:r>
             <a:endParaRPr lang="en-IN" dirty="0">
               <a:solidFill>
